--- a/Hangman - Network Application.pptx
+++ b/Hangman - Network Application.pptx
@@ -4493,6 +4493,14 @@
             </a:r>
           </a:p>
           <a:p>
+            <a:r>
+              <a:rPr lang="en-GB" noProof="0" dirty="0"/>
+              <a:t>The number of </a:t>
+            </a:r>
+            <a:r>
+              <a:rPr lang="en-GB" noProof="0"/>
+              <a:t>guess is set to 6.</a:t>
+            </a:r>
             <a:endParaRPr lang="en-GB" noProof="0" dirty="0"/>
           </a:p>
         </p:txBody>

--- a/Hangman - Network Application.pptx
+++ b/Hangman - Network Application.pptx
@@ -597,7 +597,7 @@
           <a:p>
             <a:fld id="{BB8DAFC8-78AF-409D-852E-AF1F8D737261}" type="slidenum">
               <a:rPr lang="fr-CH" smtClean="0"/>
-              <a:t>‹N°›</a:t>
+              <a:t>‹#›</a:t>
             </a:fld>
             <a:endParaRPr lang="fr-CH"/>
           </a:p>
@@ -900,7 +900,7 @@
           <a:p>
             <a:fld id="{78E9D865-C426-4743-92A2-A1B68E92D719}" type="slidenum">
               <a:rPr lang="fr-CH" smtClean="0"/>
-              <a:t>‹N°›</a:t>
+              <a:t>‹#›</a:t>
             </a:fld>
             <a:endParaRPr lang="fr-CH"/>
           </a:p>
@@ -1104,7 +1104,7 @@
           <a:p>
             <a:fld id="{78E9D865-C426-4743-92A2-A1B68E92D719}" type="slidenum">
               <a:rPr lang="fr-CH" smtClean="0"/>
-              <a:t>‹N°›</a:t>
+              <a:t>‹#›</a:t>
             </a:fld>
             <a:endParaRPr lang="fr-CH"/>
           </a:p>
@@ -1322,7 +1322,7 @@
           <a:p>
             <a:fld id="{78E9D865-C426-4743-92A2-A1B68E92D719}" type="slidenum">
               <a:rPr lang="fr-CH" smtClean="0"/>
-              <a:t>‹N°›</a:t>
+              <a:t>‹#›</a:t>
             </a:fld>
             <a:endParaRPr lang="fr-CH"/>
           </a:p>
@@ -1526,7 +1526,7 @@
           <a:p>
             <a:fld id="{78E9D865-C426-4743-92A2-A1B68E92D719}" type="slidenum">
               <a:rPr lang="fr-CH" smtClean="0"/>
-              <a:t>‹N°›</a:t>
+              <a:t>‹#›</a:t>
             </a:fld>
             <a:endParaRPr lang="fr-CH"/>
           </a:p>
@@ -1808,7 +1808,7 @@
           <a:p>
             <a:fld id="{78E9D865-C426-4743-92A2-A1B68E92D719}" type="slidenum">
               <a:rPr lang="fr-CH" smtClean="0"/>
-              <a:t>‹N°›</a:t>
+              <a:t>‹#›</a:t>
             </a:fld>
             <a:endParaRPr lang="fr-CH"/>
           </a:p>
@@ -2079,7 +2079,7 @@
           <a:p>
             <a:fld id="{78E9D865-C426-4743-92A2-A1B68E92D719}" type="slidenum">
               <a:rPr lang="fr-CH" smtClean="0"/>
-              <a:t>‹N°›</a:t>
+              <a:t>‹#›</a:t>
             </a:fld>
             <a:endParaRPr lang="fr-CH"/>
           </a:p>
@@ -2498,7 +2498,7 @@
           <a:p>
             <a:fld id="{78E9D865-C426-4743-92A2-A1B68E92D719}" type="slidenum">
               <a:rPr lang="fr-CH" smtClean="0"/>
-              <a:t>‹N°›</a:t>
+              <a:t>‹#›</a:t>
             </a:fld>
             <a:endParaRPr lang="fr-CH"/>
           </a:p>
@@ -2650,7 +2650,7 @@
           <a:p>
             <a:fld id="{78E9D865-C426-4743-92A2-A1B68E92D719}" type="slidenum">
               <a:rPr lang="fr-CH" smtClean="0"/>
-              <a:t>‹N°›</a:t>
+              <a:t>‹#›</a:t>
             </a:fld>
             <a:endParaRPr lang="fr-CH"/>
           </a:p>
@@ -2779,7 +2779,7 @@
           <a:p>
             <a:fld id="{78E9D865-C426-4743-92A2-A1B68E92D719}" type="slidenum">
               <a:rPr lang="fr-CH" smtClean="0"/>
-              <a:t>‹N°›</a:t>
+              <a:t>‹#›</a:t>
             </a:fld>
             <a:endParaRPr lang="fr-CH"/>
           </a:p>
@@ -3033,7 +3033,7 @@
           <a:p>
             <a:fld id="{78E9D865-C426-4743-92A2-A1B68E92D719}" type="slidenum">
               <a:rPr lang="fr-CH" smtClean="0"/>
-              <a:t>‹N°›</a:t>
+              <a:t>‹#›</a:t>
             </a:fld>
             <a:endParaRPr lang="fr-CH"/>
           </a:p>
@@ -3486,7 +3486,7 @@
           <a:p>
             <a:fld id="{78E9D865-C426-4743-92A2-A1B68E92D719}" type="slidenum">
               <a:rPr lang="fr-CH" smtClean="0"/>
-              <a:t>‹N°›</a:t>
+              <a:t>‹#›</a:t>
             </a:fld>
             <a:endParaRPr lang="fr-CH"/>
           </a:p>
@@ -3845,7 +3845,7 @@
           <a:p>
             <a:fld id="{78E9D865-C426-4743-92A2-A1B68E92D719}" type="slidenum">
               <a:rPr lang="fr-CH" smtClean="0"/>
-              <a:t>‹N°›</a:t>
+              <a:t>‹#›</a:t>
             </a:fld>
             <a:endParaRPr lang="fr-CH"/>
           </a:p>
@@ -4418,7 +4418,7 @@
           <a:p>
             <a:r>
               <a:rPr lang="en-GB" noProof="0" dirty="0"/>
-              <a:t>Initial Idea</a:t>
+              <a:t>Introduction</a:t>
             </a:r>
           </a:p>
         </p:txBody>
@@ -4491,6 +4491,15 @@
               <a:rPr lang="en-GB" dirty="0"/>
               <a:t> a letter or a word</a:t>
             </a:r>
+          </a:p>
+          <a:p>
+            <a:r>
+              <a:rPr lang="en-GB" dirty="0"/>
+              <a:t>The number of guess is set to 7</a:t>
+            </a:r>
+          </a:p>
+          <a:p>
+            <a:endParaRPr lang="en-GB" dirty="0"/>
           </a:p>
           <a:p>
             <a:endParaRPr lang="en-GB" noProof="0" dirty="0"/>

--- a/Hangman - Network Application.pptx
+++ b/Hangman - Network Application.pptx
@@ -4417,9 +4417,10 @@
           <a:lstStyle/>
           <a:p>
             <a:r>
-              <a:rPr lang="en-GB" noProof="0" dirty="0"/>
-              <a:t>Initial Idea</a:t>
-            </a:r>
+              <a:rPr lang="en-GB" noProof="0"/>
+              <a:t>Introduction</a:t>
+            </a:r>
+            <a:endParaRPr lang="en-GB" noProof="0" dirty="0"/>
           </a:p>
         </p:txBody>
       </p:sp>
@@ -4495,13 +4496,8 @@
           <a:p>
             <a:r>
               <a:rPr lang="en-GB" noProof="0" dirty="0"/>
-              <a:t>The number of </a:t>
-            </a:r>
-            <a:r>
-              <a:rPr lang="en-GB" noProof="0"/>
-              <a:t>guess is set to 6.</a:t>
-            </a:r>
-            <a:endParaRPr lang="en-GB" noProof="0" dirty="0"/>
+              <a:t>The number of guess is set to 7.</a:t>
+            </a:r>
           </a:p>
         </p:txBody>
       </p:sp>
@@ -4720,7 +4716,15 @@
             </a:r>
             <a:r>
               <a:rPr lang="en-US" dirty="0"/>
-              <a:t> word&gt; (Server -&gt; Client): the guess was incorrect.  Attempts left was decreased (e.g., 6 "_ _ _ _ _")</a:t>
+              <a:t> word&gt; (Server -&gt; Client): the guess was incorrect.  Attempts left was decreased (e.g</a:t>
+            </a:r>
+            <a:r>
+              <a:rPr lang="en-US"/>
+              <a:t>., 6 </a:t>
+            </a:r>
+            <a:r>
+              <a:rPr lang="en-US" dirty="0"/>
+              <a:t>"_ _ _ _ _")</a:t>
             </a:r>
           </a:p>
           <a:p>
